--- a/Press Kit/Get it in bro - 10 pager.pptx
+++ b/Press Kit/Get it in bro - 10 pager.pptx
@@ -308,7 +308,7 @@
           <a:p>
             <a:fld id="{93706F66-B0EB-4D47-9891-EDC4163A7D37}" type="datetimeFigureOut">
               <a:rPr lang="nl-NL" smtClean="0"/>
-              <a:t>10-10-2013</a:t>
+              <a:t>11-10-2013</a:t>
             </a:fld>
             <a:endParaRPr lang="nl-NL"/>
           </a:p>
@@ -473,7 +473,7 @@
           <a:p>
             <a:fld id="{93706F66-B0EB-4D47-9891-EDC4163A7D37}" type="datetimeFigureOut">
               <a:rPr lang="nl-NL" smtClean="0"/>
-              <a:t>10-10-2013</a:t>
+              <a:t>11-10-2013</a:t>
             </a:fld>
             <a:endParaRPr lang="nl-NL"/>
           </a:p>
@@ -648,7 +648,7 @@
           <a:p>
             <a:fld id="{93706F66-B0EB-4D47-9891-EDC4163A7D37}" type="datetimeFigureOut">
               <a:rPr lang="nl-NL" smtClean="0"/>
-              <a:t>10-10-2013</a:t>
+              <a:t>11-10-2013</a:t>
             </a:fld>
             <a:endParaRPr lang="nl-NL"/>
           </a:p>
@@ -831,7 +831,7 @@
           <a:p>
             <a:fld id="{93706F66-B0EB-4D47-9891-EDC4163A7D37}" type="datetimeFigureOut">
               <a:rPr lang="nl-NL" smtClean="0"/>
-              <a:t>10-10-2013</a:t>
+              <a:t>11-10-2013</a:t>
             </a:fld>
             <a:endParaRPr lang="nl-NL"/>
           </a:p>
@@ -1093,7 +1093,7 @@
           <a:p>
             <a:fld id="{93706F66-B0EB-4D47-9891-EDC4163A7D37}" type="datetimeFigureOut">
               <a:rPr lang="nl-NL" smtClean="0"/>
-              <a:t>10-10-2013</a:t>
+              <a:t>11-10-2013</a:t>
             </a:fld>
             <a:endParaRPr lang="nl-NL"/>
           </a:p>
@@ -1441,7 +1441,7 @@
           <a:p>
             <a:fld id="{93706F66-B0EB-4D47-9891-EDC4163A7D37}" type="datetimeFigureOut">
               <a:rPr lang="nl-NL" smtClean="0"/>
-              <a:t>10-10-2013</a:t>
+              <a:t>11-10-2013</a:t>
             </a:fld>
             <a:endParaRPr lang="nl-NL"/>
           </a:p>
@@ -1749,7 +1749,7 @@
           <a:p>
             <a:fld id="{93706F66-B0EB-4D47-9891-EDC4163A7D37}" type="datetimeFigureOut">
               <a:rPr lang="nl-NL" smtClean="0"/>
-              <a:t>10-10-2013</a:t>
+              <a:t>11-10-2013</a:t>
             </a:fld>
             <a:endParaRPr lang="nl-NL"/>
           </a:p>
@@ -1976,7 +1976,7 @@
           <a:p>
             <a:fld id="{93706F66-B0EB-4D47-9891-EDC4163A7D37}" type="datetimeFigureOut">
               <a:rPr lang="nl-NL" smtClean="0"/>
-              <a:t>10-10-2013</a:t>
+              <a:t>11-10-2013</a:t>
             </a:fld>
             <a:endParaRPr lang="nl-NL"/>
           </a:p>
@@ -2066,7 +2066,7 @@
           <a:p>
             <a:fld id="{93706F66-B0EB-4D47-9891-EDC4163A7D37}" type="datetimeFigureOut">
               <a:rPr lang="nl-NL" smtClean="0"/>
-              <a:t>10-10-2013</a:t>
+              <a:t>11-10-2013</a:t>
             </a:fld>
             <a:endParaRPr lang="nl-NL"/>
           </a:p>
@@ -2354,7 +2354,7 @@
           <a:p>
             <a:fld id="{93706F66-B0EB-4D47-9891-EDC4163A7D37}" type="datetimeFigureOut">
               <a:rPr lang="nl-NL" smtClean="0"/>
-              <a:t>10-10-2013</a:t>
+              <a:t>11-10-2013</a:t>
             </a:fld>
             <a:endParaRPr lang="nl-NL"/>
           </a:p>
@@ -2623,7 +2623,7 @@
           <a:p>
             <a:fld id="{93706F66-B0EB-4D47-9891-EDC4163A7D37}" type="datetimeFigureOut">
               <a:rPr lang="nl-NL" smtClean="0"/>
-              <a:t>10-10-2013</a:t>
+              <a:t>11-10-2013</a:t>
             </a:fld>
             <a:endParaRPr lang="nl-NL"/>
           </a:p>
@@ -2833,7 +2833,7 @@
           <a:p>
             <a:fld id="{93706F66-B0EB-4D47-9891-EDC4163A7D37}" type="datetimeFigureOut">
               <a:rPr lang="nl-NL" smtClean="0"/>
-              <a:t>10-10-2013</a:t>
+              <a:t>11-10-2013</a:t>
             </a:fld>
             <a:endParaRPr lang="nl-NL"/>
           </a:p>
@@ -3527,15 +3527,7 @@
               <a:srgbClr val="C0C0C0"/>
             </a:contourClr>
           </a:sp3d>
-          <a:extLst>
-            <a:ext uri="{909E8E84-426E-40DD-AFC4-6F175D3DCCD1}">
-              <a14:hiddenFill xmlns:a14="http://schemas.microsoft.com/office/drawing/2010/main">
-                <a:solidFill>
-                  <a:srgbClr val="FFFFFF"/>
-                </a:solidFill>
-              </a14:hiddenFill>
-            </a:ext>
-          </a:extLst>
+          <a:extLst/>
         </p:spPr>
       </p:pic>
     </p:spTree>
@@ -3670,9 +3662,32 @@
               <a:buNone/>
             </a:pPr>
             <a:r>
-              <a:rPr lang="nl-NL" dirty="0" smtClean="0"/>
-              <a:t>(Score systeem)</a:t>
-            </a:r>
+              <a:rPr lang="nl-NL" dirty="0" smtClean="0">
+                <a:solidFill>
+                  <a:schemeClr val="tx2"/>
+                </a:solidFill>
+                <a:effectLst>
+                  <a:outerShdw blurRad="38100" dist="38100" dir="2700000" algn="tl">
+                    <a:srgbClr val="000000">
+                      <a:alpha val="43137"/>
+                    </a:srgbClr>
+                  </a:outerShdw>
+                </a:effectLst>
+              </a:rPr>
+              <a:t>Score systeem</a:t>
+            </a:r>
+            <a:endParaRPr lang="nl-NL" dirty="0" smtClean="0">
+              <a:solidFill>
+                <a:schemeClr val="tx2"/>
+              </a:solidFill>
+              <a:effectLst>
+                <a:outerShdw blurRad="38100" dist="38100" dir="2700000" algn="tl">
+                  <a:srgbClr val="000000">
+                    <a:alpha val="43137"/>
+                  </a:srgbClr>
+                </a:outerShdw>
+              </a:effectLst>
+            </a:endParaRPr>
           </a:p>
           <a:p>
             <a:pPr marL="457200" lvl="1" indent="0">
@@ -3689,19 +3704,63 @@
               <a:buNone/>
             </a:pPr>
             <a:r>
-              <a:rPr lang="nl-NL" dirty="0" smtClean="0"/>
+              <a:rPr lang="nl-NL" dirty="0" smtClean="0">
+                <a:solidFill>
+                  <a:schemeClr val="tx2"/>
+                </a:solidFill>
+                <a:effectLst>
+                  <a:outerShdw blurRad="38100" dist="38100" dir="2700000" algn="tl">
+                    <a:srgbClr val="000000">
+                      <a:alpha val="43137"/>
+                    </a:srgbClr>
+                  </a:outerShdw>
+                </a:effectLst>
+              </a:rPr>
               <a:t>‘Draw-</a:t>
             </a:r>
             <a:r>
-              <a:rPr lang="nl-NL" dirty="0" err="1" smtClean="0"/>
+              <a:rPr lang="nl-NL" dirty="0" err="1" smtClean="0">
+                <a:solidFill>
+                  <a:schemeClr val="tx2"/>
+                </a:solidFill>
+                <a:effectLst>
+                  <a:outerShdw blurRad="38100" dist="38100" dir="2700000" algn="tl">
+                    <a:srgbClr val="000000">
+                      <a:alpha val="43137"/>
+                    </a:srgbClr>
+                  </a:outerShdw>
+                </a:effectLst>
+              </a:rPr>
               <a:t>only</a:t>
             </a:r>
             <a:r>
-              <a:rPr lang="nl-NL" dirty="0"/>
+              <a:rPr lang="nl-NL" dirty="0">
+                <a:solidFill>
+                  <a:schemeClr val="tx2"/>
+                </a:solidFill>
+                <a:effectLst>
+                  <a:outerShdw blurRad="38100" dist="38100" dir="2700000" algn="tl">
+                    <a:srgbClr val="000000">
+                      <a:alpha val="43137"/>
+                    </a:srgbClr>
+                  </a:outerShdw>
+                </a:effectLst>
+              </a:rPr>
               <a:t>-</a:t>
             </a:r>
             <a:r>
-              <a:rPr lang="nl-NL" dirty="0" smtClean="0"/>
+              <a:rPr lang="nl-NL" dirty="0" smtClean="0">
+                <a:solidFill>
+                  <a:schemeClr val="tx2"/>
+                </a:solidFill>
+                <a:effectLst>
+                  <a:outerShdw blurRad="38100" dist="38100" dir="2700000" algn="tl">
+                    <a:srgbClr val="000000">
+                      <a:alpha val="43137"/>
+                    </a:srgbClr>
+                  </a:outerShdw>
+                </a:effectLst>
+              </a:rPr>
               <a:t>in-game’ zone</a:t>
             </a:r>
           </a:p>
@@ -4575,69 +4634,84 @@
               <a:buNone/>
             </a:pPr>
             <a:r>
+              <a:rPr lang="nl-NL" dirty="0" smtClean="0">
+                <a:solidFill>
+                  <a:schemeClr val="tx2"/>
+                </a:solidFill>
+                <a:effectLst>
+                  <a:outerShdw blurRad="38100" dist="38100" dir="2700000" algn="tl">
+                    <a:srgbClr val="000000">
+                      <a:alpha val="43137"/>
+                    </a:srgbClr>
+                  </a:outerShdw>
+                </a:effectLst>
+              </a:rPr>
+              <a:t>Nauwkeurigheid</a:t>
+            </a:r>
+          </a:p>
+          <a:p>
+            <a:pPr marL="457200" lvl="1" indent="0">
+              <a:buNone/>
+            </a:pPr>
+            <a:r>
+              <a:rPr lang="nl-NL" sz="1800" dirty="0" smtClean="0"/>
+              <a:t>Het tekenen op de wereld verijst soms uiterste </a:t>
+            </a:r>
+            <a:r>
+              <a:rPr lang="nl-NL" sz="1800" dirty="0" smtClean="0"/>
+              <a:t>precisie!</a:t>
+            </a:r>
+          </a:p>
+          <a:p>
+            <a:pPr marL="0" indent="0">
+              <a:buNone/>
+            </a:pPr>
+            <a:r>
+              <a:rPr lang="nl-NL" dirty="0" smtClean="0">
+                <a:solidFill>
+                  <a:schemeClr val="tx2"/>
+                </a:solidFill>
+                <a:effectLst>
+                  <a:outerShdw blurRad="38100" dist="38100" dir="2700000" algn="tl">
+                    <a:srgbClr val="000000">
+                      <a:alpha val="43137"/>
+                    </a:srgbClr>
+                  </a:outerShdw>
+                </a:effectLst>
+              </a:rPr>
+              <a:t>Verkennen</a:t>
+            </a:r>
+          </a:p>
+          <a:p>
+            <a:pPr marL="457200" lvl="1" indent="0">
+              <a:buNone/>
+            </a:pPr>
+            <a:r>
               <a:rPr lang="nl-NL" dirty="0" smtClean="0"/>
-              <a:t>Nauwkeurigheid</a:t>
-            </a:r>
-          </a:p>
-          <a:p>
-            <a:pPr marL="457200" lvl="1" indent="0">
+              <a:t>De </a:t>
+            </a:r>
+            <a:r>
+              <a:rPr lang="nl-NL" dirty="0" smtClean="0"/>
+              <a:t>levels moeten eerst verkent worden voordat er een goede strategie ontwikkeld kan worden</a:t>
+            </a:r>
+          </a:p>
+          <a:p>
+            <a:pPr marL="0" indent="0">
               <a:buNone/>
             </a:pPr>
             <a:r>
-              <a:rPr lang="nl-NL" sz="1800" dirty="0" smtClean="0"/>
-              <a:t>Het tekenen op de wereld verijst soms uiterste precisie!</a:t>
-            </a:r>
-          </a:p>
-          <a:p>
-            <a:pPr marL="0" indent="0">
-              <a:buNone/>
-            </a:pPr>
-            <a:r>
-              <a:rPr lang="nl-NL" dirty="0" smtClean="0"/>
-              <a:t>Race </a:t>
-            </a:r>
-            <a:r>
-              <a:rPr lang="nl-NL" dirty="0"/>
-              <a:t>tegen de </a:t>
-            </a:r>
-            <a:r>
-              <a:rPr lang="nl-NL" dirty="0" smtClean="0"/>
-              <a:t>tijd/tegenstander</a:t>
-            </a:r>
-          </a:p>
-          <a:p>
-            <a:pPr marL="457200" lvl="1" indent="0">
-              <a:buNone/>
-            </a:pPr>
-            <a:r>
-              <a:rPr lang="nl-NL" dirty="0" smtClean="0"/>
-              <a:t>Afhankelijk van de game modus zal de tegenstander een al bepaalde tijd moeten verslaan of tegen een vriend ‘racen’ via internet.</a:t>
-            </a:r>
-          </a:p>
-          <a:p>
-            <a:pPr marL="0" indent="0">
-              <a:buNone/>
-            </a:pPr>
-            <a:r>
-              <a:rPr lang="nl-NL" dirty="0" smtClean="0"/>
-              <a:t>Verkennen</a:t>
-            </a:r>
-          </a:p>
-          <a:p>
-            <a:pPr marL="457200" lvl="1" indent="0">
-              <a:buNone/>
-            </a:pPr>
-            <a:r>
-              <a:rPr lang="nl-NL" dirty="0" smtClean="0"/>
-              <a:t>De levels moeten eerst verkent worden voordat er een goede strategie ontwikkeld kan worden</a:t>
-            </a:r>
-          </a:p>
-          <a:p>
-            <a:pPr marL="0" indent="0">
-              <a:buNone/>
-            </a:pPr>
-            <a:r>
-              <a:rPr lang="nl-NL" dirty="0" smtClean="0"/>
+              <a:rPr lang="nl-NL" dirty="0" smtClean="0">
+                <a:solidFill>
+                  <a:schemeClr val="tx2"/>
+                </a:solidFill>
+                <a:effectLst>
+                  <a:outerShdw blurRad="38100" dist="38100" dir="2700000" algn="tl">
+                    <a:srgbClr val="000000">
+                      <a:alpha val="43137"/>
+                    </a:srgbClr>
+                  </a:outerShdw>
+                </a:effectLst>
+              </a:rPr>
               <a:t>Tactiek / Logica</a:t>
             </a:r>
           </a:p>
@@ -4663,7 +4737,18 @@
               <a:buNone/>
             </a:pPr>
             <a:r>
-              <a:rPr lang="nl-NL" dirty="0" smtClean="0"/>
+              <a:rPr lang="nl-NL" dirty="0" smtClean="0">
+                <a:solidFill>
+                  <a:schemeClr val="tx2"/>
+                </a:solidFill>
+                <a:effectLst>
+                  <a:outerShdw blurRad="38100" dist="38100" dir="2700000" algn="tl">
+                    <a:srgbClr val="000000">
+                      <a:alpha val="43137"/>
+                    </a:srgbClr>
+                  </a:outerShdw>
+                </a:effectLst>
+              </a:rPr>
               <a:t>Creëren</a:t>
             </a:r>
           </a:p>
@@ -4825,11 +4910,33 @@
               <a:buNone/>
             </a:pPr>
             <a:r>
-              <a:rPr lang="nl-NL" dirty="0" err="1" smtClean="0"/>
+              <a:rPr lang="nl-NL" dirty="0" err="1" smtClean="0">
+                <a:solidFill>
+                  <a:schemeClr val="tx2"/>
+                </a:solidFill>
+                <a:effectLst>
+                  <a:outerShdw blurRad="38100" dist="38100" dir="2700000" algn="tl">
+                    <a:srgbClr val="000000">
+                      <a:alpha val="43137"/>
+                    </a:srgbClr>
+                  </a:outerShdw>
+                </a:effectLst>
+              </a:rPr>
               <a:t>Gravity</a:t>
             </a:r>
             <a:r>
-              <a:rPr lang="nl-NL" dirty="0" smtClean="0"/>
+              <a:rPr lang="nl-NL" dirty="0" smtClean="0">
+                <a:solidFill>
+                  <a:schemeClr val="tx2"/>
+                </a:solidFill>
+                <a:effectLst>
+                  <a:outerShdw blurRad="38100" dist="38100" dir="2700000" algn="tl">
+                    <a:srgbClr val="000000">
+                      <a:alpha val="43137"/>
+                    </a:srgbClr>
+                  </a:outerShdw>
+                </a:effectLst>
+              </a:rPr>
               <a:t> Lift</a:t>
             </a:r>
           </a:p>
@@ -4855,7 +4962,18 @@
               <a:buNone/>
             </a:pPr>
             <a:r>
-              <a:rPr lang="nl-NL" dirty="0" smtClean="0"/>
+              <a:rPr lang="nl-NL" dirty="0" smtClean="0">
+                <a:solidFill>
+                  <a:schemeClr val="tx2"/>
+                </a:solidFill>
+                <a:effectLst>
+                  <a:outerShdw blurRad="38100" dist="38100" dir="2700000" algn="tl">
+                    <a:srgbClr val="000000">
+                      <a:alpha val="43137"/>
+                    </a:srgbClr>
+                  </a:outerShdw>
+                </a:effectLst>
+              </a:rPr>
               <a:t>Spikes</a:t>
             </a:r>
           </a:p>
@@ -5148,7 +5266,18 @@
               <a:buNone/>
             </a:pPr>
             <a:r>
-              <a:rPr lang="nl-NL" dirty="0" smtClean="0"/>
+              <a:rPr lang="nl-NL" dirty="0" smtClean="0">
+                <a:solidFill>
+                  <a:schemeClr val="tx2"/>
+                </a:solidFill>
+                <a:effectLst>
+                  <a:outerShdw blurRad="38100" dist="38100" dir="2700000" algn="tl">
+                    <a:srgbClr val="000000">
+                      <a:alpha val="43137"/>
+                    </a:srgbClr>
+                  </a:outerShdw>
+                </a:effectLst>
+              </a:rPr>
               <a:t>Beter uiterlijk</a:t>
             </a:r>
           </a:p>
@@ -5157,11 +5286,33 @@
               <a:buNone/>
             </a:pPr>
             <a:r>
-              <a:rPr lang="nl-NL" dirty="0" err="1" smtClean="0"/>
+              <a:rPr lang="nl-NL" dirty="0" err="1" smtClean="0">
+                <a:solidFill>
+                  <a:schemeClr val="tx2"/>
+                </a:solidFill>
+                <a:effectLst>
+                  <a:outerShdw blurRad="38100" dist="38100" dir="2700000" algn="tl">
+                    <a:srgbClr val="000000">
+                      <a:alpha val="43137"/>
+                    </a:srgbClr>
+                  </a:outerShdw>
+                </a:effectLst>
+              </a:rPr>
               <a:t>Multiplayer</a:t>
             </a:r>
             <a:r>
-              <a:rPr lang="nl-NL" dirty="0" smtClean="0"/>
+              <a:rPr lang="nl-NL" dirty="0" smtClean="0">
+                <a:solidFill>
+                  <a:schemeClr val="tx2"/>
+                </a:solidFill>
+                <a:effectLst>
+                  <a:outerShdw blurRad="38100" dist="38100" dir="2700000" algn="tl">
+                    <a:srgbClr val="000000">
+                      <a:alpha val="43137"/>
+                    </a:srgbClr>
+                  </a:outerShdw>
+                </a:effectLst>
+              </a:rPr>
               <a:t> of tegen vriend</a:t>
             </a:r>
           </a:p>
@@ -5170,21 +5321,65 @@
               <a:buNone/>
             </a:pPr>
             <a:r>
-              <a:rPr lang="nl-NL" dirty="0" err="1" smtClean="0"/>
+              <a:rPr lang="nl-NL" dirty="0" err="1" smtClean="0">
+                <a:solidFill>
+                  <a:schemeClr val="tx2"/>
+                </a:solidFill>
+                <a:effectLst>
+                  <a:outerShdw blurRad="38100" dist="38100" dir="2700000" algn="tl">
+                    <a:srgbClr val="000000">
+                      <a:alpha val="43137"/>
+                    </a:srgbClr>
+                  </a:outerShdw>
+                </a:effectLst>
+              </a:rPr>
               <a:t>Achievements</a:t>
             </a:r>
-            <a:endParaRPr lang="nl-NL" dirty="0" smtClean="0"/>
+            <a:endParaRPr lang="nl-NL" dirty="0" smtClean="0">
+              <a:solidFill>
+                <a:schemeClr val="tx2"/>
+              </a:solidFill>
+              <a:effectLst>
+                <a:outerShdw blurRad="38100" dist="38100" dir="2700000" algn="tl">
+                  <a:srgbClr val="000000">
+                    <a:alpha val="43137"/>
+                  </a:srgbClr>
+                </a:outerShdw>
+              </a:effectLst>
+            </a:endParaRPr>
           </a:p>
           <a:p>
             <a:pPr marL="0" indent="0">
               <a:buNone/>
             </a:pPr>
             <a:r>
-              <a:rPr lang="nl-NL" dirty="0" err="1" smtClean="0"/>
+              <a:rPr lang="nl-NL" dirty="0" err="1" smtClean="0">
+                <a:solidFill>
+                  <a:schemeClr val="tx2"/>
+                </a:solidFill>
+                <a:effectLst>
+                  <a:outerShdw blurRad="38100" dist="38100" dir="2700000" algn="tl">
+                    <a:srgbClr val="000000">
+                      <a:alpha val="43137"/>
+                    </a:srgbClr>
+                  </a:outerShdw>
+                </a:effectLst>
+              </a:rPr>
               <a:t>Unlockable</a:t>
             </a:r>
             <a:r>
-              <a:rPr lang="nl-NL" dirty="0" smtClean="0"/>
+              <a:rPr lang="nl-NL" dirty="0" smtClean="0">
+                <a:solidFill>
+                  <a:schemeClr val="tx2"/>
+                </a:solidFill>
+                <a:effectLst>
+                  <a:outerShdw blurRad="38100" dist="38100" dir="2700000" algn="tl">
+                    <a:srgbClr val="000000">
+                      <a:alpha val="43137"/>
+                    </a:srgbClr>
+                  </a:outerShdw>
+                </a:effectLst>
+              </a:rPr>
               <a:t> objecten</a:t>
             </a:r>
           </a:p>
@@ -5193,11 +5388,33 @@
               <a:buNone/>
             </a:pPr>
             <a:r>
-              <a:rPr lang="nl-NL" dirty="0" err="1" smtClean="0"/>
+              <a:rPr lang="nl-NL" dirty="0" err="1" smtClean="0">
+                <a:solidFill>
+                  <a:schemeClr val="tx2"/>
+                </a:solidFill>
+                <a:effectLst>
+                  <a:outerShdw blurRad="38100" dist="38100" dir="2700000" algn="tl">
+                    <a:srgbClr val="000000">
+                      <a:alpha val="43137"/>
+                    </a:srgbClr>
+                  </a:outerShdw>
+                </a:effectLst>
+              </a:rPr>
               <a:t>Experience</a:t>
             </a:r>
             <a:r>
-              <a:rPr lang="nl-NL" dirty="0" smtClean="0"/>
+              <a:rPr lang="nl-NL" dirty="0" smtClean="0">
+                <a:solidFill>
+                  <a:schemeClr val="tx2"/>
+                </a:solidFill>
+                <a:effectLst>
+                  <a:outerShdw blurRad="38100" dist="38100" dir="2700000" algn="tl">
+                    <a:srgbClr val="000000">
+                      <a:alpha val="43137"/>
+                    </a:srgbClr>
+                  </a:outerShdw>
+                </a:effectLst>
+              </a:rPr>
               <a:t> Systeem</a:t>
             </a:r>
           </a:p>
@@ -5206,7 +5423,18 @@
               <a:buNone/>
             </a:pPr>
             <a:r>
-              <a:rPr lang="nl-NL" dirty="0" smtClean="0"/>
+              <a:rPr lang="nl-NL" dirty="0" smtClean="0">
+                <a:solidFill>
+                  <a:schemeClr val="tx2"/>
+                </a:solidFill>
+                <a:effectLst>
+                  <a:outerShdw blurRad="38100" dist="38100" dir="2700000" algn="tl">
+                    <a:srgbClr val="000000">
+                      <a:alpha val="43137"/>
+                    </a:srgbClr>
+                  </a:outerShdw>
+                </a:effectLst>
+              </a:rPr>
               <a:t>Verschillende type ballen</a:t>
             </a:r>
           </a:p>
@@ -5240,7 +5468,18 @@
               <a:buNone/>
             </a:pPr>
             <a:r>
-              <a:rPr lang="nl-NL" dirty="0" smtClean="0"/>
+              <a:rPr lang="nl-NL" dirty="0" smtClean="0">
+                <a:solidFill>
+                  <a:schemeClr val="tx2"/>
+                </a:solidFill>
+                <a:effectLst>
+                  <a:outerShdw blurRad="38100" dist="38100" dir="2700000" algn="tl">
+                    <a:srgbClr val="000000">
+                      <a:alpha val="43137"/>
+                    </a:srgbClr>
+                  </a:outerShdw>
+                </a:effectLst>
+              </a:rPr>
               <a:t>Verhaallijn toevoegen</a:t>
             </a:r>
           </a:p>
